--- a/rocker_app_v3/static/description/Rocker_install.pptx
+++ b/rocker_app_v3/static/description/Rocker_install.pptx
@@ -8,22 +8,23 @@
     <p:sldId id="282" r:id="rId2"/>
     <p:sldId id="283" r:id="rId3"/>
     <p:sldId id="297" r:id="rId4"/>
-    <p:sldId id="301" r:id="rId5"/>
-    <p:sldId id="302" r:id="rId6"/>
-    <p:sldId id="303" r:id="rId7"/>
-    <p:sldId id="285" r:id="rId8"/>
-    <p:sldId id="286" r:id="rId9"/>
-    <p:sldId id="298" r:id="rId10"/>
-    <p:sldId id="288" r:id="rId11"/>
-    <p:sldId id="291" r:id="rId12"/>
-    <p:sldId id="299" r:id="rId13"/>
-    <p:sldId id="292" r:id="rId14"/>
-    <p:sldId id="300" r:id="rId15"/>
-    <p:sldId id="294" r:id="rId16"/>
-    <p:sldId id="306" r:id="rId17"/>
-    <p:sldId id="305" r:id="rId18"/>
-    <p:sldId id="304" r:id="rId19"/>
-    <p:sldId id="277" r:id="rId20"/>
+    <p:sldId id="307" r:id="rId5"/>
+    <p:sldId id="301" r:id="rId6"/>
+    <p:sldId id="302" r:id="rId7"/>
+    <p:sldId id="303" r:id="rId8"/>
+    <p:sldId id="285" r:id="rId9"/>
+    <p:sldId id="286" r:id="rId10"/>
+    <p:sldId id="298" r:id="rId11"/>
+    <p:sldId id="288" r:id="rId12"/>
+    <p:sldId id="291" r:id="rId13"/>
+    <p:sldId id="299" r:id="rId14"/>
+    <p:sldId id="292" r:id="rId15"/>
+    <p:sldId id="300" r:id="rId16"/>
+    <p:sldId id="294" r:id="rId17"/>
+    <p:sldId id="306" r:id="rId18"/>
+    <p:sldId id="305" r:id="rId19"/>
+    <p:sldId id="304" r:id="rId20"/>
+    <p:sldId id="277" r:id="rId21"/>
   </p:sldIdLst>
   <p:sldSz cx="12192000" cy="6858000"/>
   <p:notesSz cx="6858000" cy="9144000"/>
@@ -327,7 +328,7 @@
           <a:p>
             <a:fld id="{2BA53152-5DF5-4979-A537-0FE8AB80BD2D}" type="datetimeFigureOut">
               <a:rPr lang="fi-FI" smtClean="0"/>
-              <a:t>29.1.2021</a:t>
+              <a:t>21.10.2021</a:t>
             </a:fld>
             <a:endParaRPr lang="fi-FI"/>
           </a:p>
@@ -665,7 +666,7 @@
           <a:p>
             <a:fld id="{2BA53152-5DF5-4979-A537-0FE8AB80BD2D}" type="datetimeFigureOut">
               <a:rPr lang="fi-FI" smtClean="0"/>
-              <a:t>29.1.2021</a:t>
+              <a:t>21.10.2021</a:t>
             </a:fld>
             <a:endParaRPr lang="fi-FI"/>
           </a:p>
@@ -1066,7 +1067,7 @@
           <a:p>
             <a:fld id="{2BA53152-5DF5-4979-A537-0FE8AB80BD2D}" type="datetimeFigureOut">
               <a:rPr lang="fi-FI" smtClean="0"/>
-              <a:t>29.1.2021</a:t>
+              <a:t>21.10.2021</a:t>
             </a:fld>
             <a:endParaRPr lang="fi-FI"/>
           </a:p>
@@ -1402,7 +1403,7 @@
           <a:p>
             <a:fld id="{2BA53152-5DF5-4979-A537-0FE8AB80BD2D}" type="datetimeFigureOut">
               <a:rPr lang="fi-FI" smtClean="0"/>
-              <a:t>29.1.2021</a:t>
+              <a:t>21.10.2021</a:t>
             </a:fld>
             <a:endParaRPr lang="fi-FI"/>
           </a:p>
@@ -1722,7 +1723,7 @@
           <a:p>
             <a:fld id="{2BA53152-5DF5-4979-A537-0FE8AB80BD2D}" type="datetimeFigureOut">
               <a:rPr lang="fi-FI" smtClean="0"/>
-              <a:t>29.1.2021</a:t>
+              <a:t>21.10.2021</a:t>
             </a:fld>
             <a:endParaRPr lang="fi-FI"/>
           </a:p>
@@ -2118,7 +2119,7 @@
           <a:p>
             <a:fld id="{2BA53152-5DF5-4979-A537-0FE8AB80BD2D}" type="datetimeFigureOut">
               <a:rPr lang="fi-FI" smtClean="0"/>
-              <a:t>29.1.2021</a:t>
+              <a:t>21.10.2021</a:t>
             </a:fld>
             <a:endParaRPr lang="fi-FI"/>
           </a:p>
@@ -2375,7 +2376,7 @@
           <a:p>
             <a:fld id="{2BA53152-5DF5-4979-A537-0FE8AB80BD2D}" type="datetimeFigureOut">
               <a:rPr lang="fi-FI" smtClean="0"/>
-              <a:t>29.1.2021</a:t>
+              <a:t>21.10.2021</a:t>
             </a:fld>
             <a:endParaRPr lang="fi-FI"/>
           </a:p>
@@ -2637,7 +2638,7 @@
           <a:p>
             <a:fld id="{2BA53152-5DF5-4979-A537-0FE8AB80BD2D}" type="datetimeFigureOut">
               <a:rPr lang="fi-FI" smtClean="0"/>
-              <a:t>29.1.2021</a:t>
+              <a:t>21.10.2021</a:t>
             </a:fld>
             <a:endParaRPr lang="fi-FI"/>
           </a:p>
@@ -2899,7 +2900,7 @@
           <a:p>
             <a:fld id="{2BA53152-5DF5-4979-A537-0FE8AB80BD2D}" type="datetimeFigureOut">
               <a:rPr lang="fi-FI" smtClean="0"/>
-              <a:t>29.1.2021</a:t>
+              <a:t>21.10.2021</a:t>
             </a:fld>
             <a:endParaRPr lang="fi-FI"/>
           </a:p>
@@ -3258,7 +3259,7 @@
           <a:p>
             <a:fld id="{2BA53152-5DF5-4979-A537-0FE8AB80BD2D}" type="datetimeFigureOut">
               <a:rPr lang="fi-FI" smtClean="0"/>
-              <a:t>29.1.2021</a:t>
+              <a:t>21.10.2021</a:t>
             </a:fld>
             <a:endParaRPr lang="fi-FI"/>
           </a:p>
@@ -3581,7 +3582,7 @@
           <a:p>
             <a:fld id="{2BA53152-5DF5-4979-A537-0FE8AB80BD2D}" type="datetimeFigureOut">
               <a:rPr lang="fi-FI" smtClean="0"/>
-              <a:t>29.1.2021</a:t>
+              <a:t>21.10.2021</a:t>
             </a:fld>
             <a:endParaRPr lang="fi-FI"/>
           </a:p>
@@ -4038,7 +4039,7 @@
           <a:p>
             <a:fld id="{2BA53152-5DF5-4979-A537-0FE8AB80BD2D}" type="datetimeFigureOut">
               <a:rPr lang="fi-FI" smtClean="0"/>
-              <a:t>29.1.2021</a:t>
+              <a:t>21.10.2021</a:t>
             </a:fld>
             <a:endParaRPr lang="fi-FI"/>
           </a:p>
@@ -4243,7 +4244,7 @@
           <a:p>
             <a:fld id="{2BA53152-5DF5-4979-A537-0FE8AB80BD2D}" type="datetimeFigureOut">
               <a:rPr lang="fi-FI" smtClean="0"/>
-              <a:t>29.1.2021</a:t>
+              <a:t>21.10.2021</a:t>
             </a:fld>
             <a:endParaRPr lang="fi-FI"/>
           </a:p>
@@ -4450,7 +4451,7 @@
           <a:p>
             <a:fld id="{2BA53152-5DF5-4979-A537-0FE8AB80BD2D}" type="datetimeFigureOut">
               <a:rPr lang="fi-FI" smtClean="0"/>
-              <a:t>29.1.2021</a:t>
+              <a:t>21.10.2021</a:t>
             </a:fld>
             <a:endParaRPr lang="fi-FI"/>
           </a:p>
@@ -4783,7 +4784,7 @@
           <a:p>
             <a:fld id="{2BA53152-5DF5-4979-A537-0FE8AB80BD2D}" type="datetimeFigureOut">
               <a:rPr lang="fi-FI" smtClean="0"/>
-              <a:t>29.1.2021</a:t>
+              <a:t>21.10.2021</a:t>
             </a:fld>
             <a:endParaRPr lang="fi-FI"/>
           </a:p>
@@ -5128,7 +5129,7 @@
           <a:p>
             <a:fld id="{2BA53152-5DF5-4979-A537-0FE8AB80BD2D}" type="datetimeFigureOut">
               <a:rPr lang="fi-FI" smtClean="0"/>
-              <a:t>29.1.2021</a:t>
+              <a:t>21.10.2021</a:t>
             </a:fld>
             <a:endParaRPr lang="fi-FI"/>
           </a:p>
@@ -7245,7 +7246,7 @@
           <a:p>
             <a:fld id="{2BA53152-5DF5-4979-A537-0FE8AB80BD2D}" type="datetimeFigureOut">
               <a:rPr lang="fi-FI" smtClean="0"/>
-              <a:t>29.1.2021</a:t>
+              <a:t>21.10.2021</a:t>
             </a:fld>
             <a:endParaRPr lang="fi-FI"/>
           </a:p>
@@ -7882,6 +7883,335 @@
 <file path=ppt/slides/slide10.xml><?xml version="1.0" encoding="utf-8"?>
 <p:sld xmlns:a="http://schemas.openxmlformats.org/drawingml/2006/main" xmlns:r="http://schemas.openxmlformats.org/officeDocument/2006/relationships" xmlns:p="http://schemas.openxmlformats.org/presentationml/2006/main">
   <p:cSld>
+    <p:spTree>
+      <p:nvGrpSpPr>
+        <p:cNvPr id="1" name=""/>
+        <p:cNvGrpSpPr/>
+        <p:nvPr/>
+      </p:nvGrpSpPr>
+      <p:grpSpPr>
+        <a:xfrm>
+          <a:off x="0" y="0"/>
+          <a:ext cx="0" cy="0"/>
+          <a:chOff x="0" y="0"/>
+          <a:chExt cx="0" cy="0"/>
+        </a:xfrm>
+      </p:grpSpPr>
+      <p:sp>
+        <p:nvSpPr>
+          <p:cNvPr id="2" name="Title 1">
+            <a:extLst>
+              <a:ext uri="{FF2B5EF4-FFF2-40B4-BE49-F238E27FC236}">
+                <a16:creationId xmlns:a16="http://schemas.microsoft.com/office/drawing/2014/main" id="{1A46C0F2-5A13-4675-90D2-C28BA0BE550E}"/>
+              </a:ext>
+            </a:extLst>
+          </p:cNvPr>
+          <p:cNvSpPr>
+            <a:spLocks noGrp="1"/>
+          </p:cNvSpPr>
+          <p:nvPr>
+            <p:ph type="title"/>
+          </p:nvPr>
+        </p:nvSpPr>
+        <p:spPr/>
+        <p:txBody>
+          <a:bodyPr>
+            <a:normAutofit fontScale="90000"/>
+          </a:bodyPr>
+          <a:lstStyle/>
+          <a:p>
+            <a:r>
+              <a:rPr lang="fi-FI" dirty="0" err="1"/>
+              <a:t>Before</a:t>
+            </a:r>
+            <a:r>
+              <a:rPr lang="fi-FI" dirty="0"/>
+              <a:t> </a:t>
+            </a:r>
+            <a:r>
+              <a:rPr lang="fi-FI" dirty="0" err="1"/>
+              <a:t>you</a:t>
+            </a:r>
+            <a:r>
+              <a:rPr lang="fi-FI" dirty="0"/>
+              <a:t> </a:t>
+            </a:r>
+            <a:r>
+              <a:rPr lang="fi-FI" dirty="0" err="1"/>
+              <a:t>can</a:t>
+            </a:r>
+            <a:r>
+              <a:rPr lang="fi-FI" dirty="0"/>
+              <a:t> </a:t>
+            </a:r>
+            <a:r>
+              <a:rPr lang="fi-FI" dirty="0" err="1"/>
+              <a:t>create</a:t>
+            </a:r>
+            <a:r>
+              <a:rPr lang="fi-FI" dirty="0"/>
+              <a:t> </a:t>
+            </a:r>
+            <a:r>
+              <a:rPr lang="fi-FI" dirty="0" err="1"/>
+              <a:t>database</a:t>
+            </a:r>
+            <a:r>
+              <a:rPr lang="fi-FI" dirty="0"/>
+              <a:t> </a:t>
+            </a:r>
+            <a:r>
+              <a:rPr lang="fi-FI" dirty="0" err="1"/>
+              <a:t>connection</a:t>
+            </a:r>
+            <a:r>
+              <a:rPr lang="fi-FI" dirty="0"/>
+              <a:t> in </a:t>
+            </a:r>
+            <a:r>
+              <a:rPr lang="fi-FI" dirty="0" err="1"/>
+              <a:t>Rocker_app</a:t>
+            </a:r>
+            <a:r>
+              <a:rPr lang="fi-FI" dirty="0"/>
+              <a:t> </a:t>
+            </a:r>
+            <a:r>
+              <a:rPr lang="fi-FI" dirty="0" err="1"/>
+              <a:t>you</a:t>
+            </a:r>
+            <a:r>
+              <a:rPr lang="fi-FI" dirty="0"/>
+              <a:t> </a:t>
+            </a:r>
+            <a:r>
+              <a:rPr lang="fi-FI" dirty="0" err="1"/>
+              <a:t>have</a:t>
+            </a:r>
+            <a:r>
+              <a:rPr lang="fi-FI" dirty="0"/>
+              <a:t> to: </a:t>
+            </a:r>
+            <a:r>
+              <a:rPr lang="fi-FI" dirty="0" err="1"/>
+              <a:t>Create</a:t>
+            </a:r>
+            <a:r>
+              <a:rPr lang="fi-FI" dirty="0"/>
+              <a:t> </a:t>
+            </a:r>
+            <a:r>
+              <a:rPr lang="fi-FI" dirty="0" err="1"/>
+              <a:t>reporting</a:t>
+            </a:r>
+            <a:r>
+              <a:rPr lang="fi-FI" dirty="0"/>
+              <a:t> </a:t>
+            </a:r>
+            <a:r>
+              <a:rPr lang="fi-FI" dirty="0" err="1"/>
+              <a:t>user</a:t>
+            </a:r>
+            <a:r>
+              <a:rPr lang="fi-FI" dirty="0"/>
+              <a:t> for </a:t>
+            </a:r>
+            <a:r>
+              <a:rPr lang="fi-FI" dirty="0" err="1"/>
+              <a:t>Odoo</a:t>
+            </a:r>
+            <a:endParaRPr lang="en-US" dirty="0"/>
+          </a:p>
+        </p:txBody>
+      </p:sp>
+      <p:sp>
+        <p:nvSpPr>
+          <p:cNvPr id="3" name="Content Placeholder 2">
+            <a:extLst>
+              <a:ext uri="{FF2B5EF4-FFF2-40B4-BE49-F238E27FC236}">
+                <a16:creationId xmlns:a16="http://schemas.microsoft.com/office/drawing/2014/main" id="{8309473F-B7E0-446C-8CB5-C8D1441BD47C}"/>
+              </a:ext>
+            </a:extLst>
+          </p:cNvPr>
+          <p:cNvSpPr>
+            <a:spLocks noGrp="1"/>
+          </p:cNvSpPr>
+          <p:nvPr>
+            <p:ph idx="1"/>
+          </p:nvPr>
+        </p:nvSpPr>
+        <p:spPr>
+          <a:xfrm>
+            <a:off x="2589212" y="2523280"/>
+            <a:ext cx="8915400" cy="4022204"/>
+          </a:xfrm>
+        </p:spPr>
+        <p:txBody>
+          <a:bodyPr>
+            <a:normAutofit fontScale="92500" lnSpcReduction="20000"/>
+          </a:bodyPr>
+          <a:lstStyle/>
+          <a:p>
+            <a:r>
+              <a:rPr lang="en-US" dirty="0" err="1"/>
+              <a:t>sudo</a:t>
+            </a:r>
+            <a:r>
+              <a:rPr lang="en-US" dirty="0"/>
+              <a:t> -u </a:t>
+            </a:r>
+            <a:r>
+              <a:rPr lang="en-US" dirty="0" err="1"/>
+              <a:t>postgres</a:t>
+            </a:r>
+            <a:r>
+              <a:rPr lang="en-US" dirty="0"/>
+              <a:t> </a:t>
+            </a:r>
+            <a:r>
+              <a:rPr lang="en-US" dirty="0" err="1"/>
+              <a:t>createuser</a:t>
+            </a:r>
+            <a:r>
+              <a:rPr lang="en-US" dirty="0"/>
+              <a:t> --login --</a:t>
+            </a:r>
+            <a:r>
+              <a:rPr lang="en-US" dirty="0" err="1"/>
+              <a:t>pwprompt</a:t>
+            </a:r>
+            <a:r>
+              <a:rPr lang="en-US" dirty="0"/>
+              <a:t> rocker</a:t>
+            </a:r>
+          </a:p>
+          <a:p>
+            <a:endParaRPr lang="en-US" dirty="0"/>
+          </a:p>
+          <a:p>
+            <a:r>
+              <a:rPr lang="en-US" dirty="0"/>
+              <a:t>login with user </a:t>
+            </a:r>
+            <a:r>
+              <a:rPr lang="en-US" dirty="0" err="1"/>
+              <a:t>odoo</a:t>
+            </a:r>
+            <a:endParaRPr lang="en-US" dirty="0"/>
+          </a:p>
+          <a:p>
+            <a:r>
+              <a:rPr lang="en-US" dirty="0"/>
+              <a:t>Execute </a:t>
+            </a:r>
+            <a:r>
+              <a:rPr lang="en-US" dirty="0" err="1"/>
+              <a:t>psql</a:t>
+            </a:r>
+            <a:r>
+              <a:rPr lang="en-US" dirty="0"/>
+              <a:t>, then</a:t>
+            </a:r>
+          </a:p>
+          <a:p>
+            <a:pPr lvl="1"/>
+            <a:r>
+              <a:rPr lang="en-US" dirty="0"/>
+              <a:t>GRANT CONNECT ON DATABASE </a:t>
+            </a:r>
+            <a:r>
+              <a:rPr lang="en-US" dirty="0" err="1"/>
+              <a:t>database_name</a:t>
+            </a:r>
+            <a:r>
+              <a:rPr lang="en-US" dirty="0"/>
+              <a:t> TO username;</a:t>
+            </a:r>
+          </a:p>
+          <a:p>
+            <a:pPr lvl="1"/>
+            <a:r>
+              <a:rPr lang="en-US" dirty="0"/>
+              <a:t>GRANT SELECT ON ALL TABLES IN SCHEMA name TO username;</a:t>
+            </a:r>
+          </a:p>
+          <a:p>
+            <a:pPr lvl="1"/>
+            <a:r>
+              <a:rPr lang="en-US" dirty="0"/>
+              <a:t>GRANT CONNECT ON DATABASE </a:t>
+            </a:r>
+            <a:r>
+              <a:rPr lang="en-US" dirty="0" err="1"/>
+              <a:t>odoo</a:t>
+            </a:r>
+            <a:r>
+              <a:rPr lang="en-US" dirty="0"/>
+              <a:t> TO rocker;</a:t>
+            </a:r>
+          </a:p>
+          <a:p>
+            <a:pPr lvl="1"/>
+            <a:endParaRPr lang="en-US" dirty="0"/>
+          </a:p>
+          <a:p>
+            <a:endParaRPr lang="en-US" dirty="0"/>
+          </a:p>
+          <a:p>
+            <a:endParaRPr lang="en-US" dirty="0"/>
+          </a:p>
+          <a:p>
+            <a:r>
+              <a:rPr lang="en-US" dirty="0"/>
+              <a:t>service </a:t>
+            </a:r>
+            <a:r>
+              <a:rPr lang="en-US" dirty="0" err="1"/>
+              <a:t>odoo</a:t>
+            </a:r>
+            <a:r>
+              <a:rPr lang="en-US" dirty="0"/>
+              <a:t> restart</a:t>
+            </a:r>
+          </a:p>
+          <a:p>
+            <a:pPr lvl="1"/>
+            <a:r>
+              <a:rPr lang="en-US" dirty="0"/>
+              <a:t>Works in Ubuntu </a:t>
+            </a:r>
+            <a:r>
+              <a:rPr lang="en-US" dirty="0">
+                <a:sym typeface="Wingdings" panose="05000000000000000000" pitchFamily="2" charset="2"/>
+              </a:rPr>
+              <a:t></a:t>
+            </a:r>
+            <a:endParaRPr lang="en-US" dirty="0"/>
+          </a:p>
+          <a:p>
+            <a:endParaRPr lang="en-US" dirty="0"/>
+          </a:p>
+          <a:p>
+            <a:endParaRPr lang="en-US" dirty="0"/>
+          </a:p>
+        </p:txBody>
+      </p:sp>
+    </p:spTree>
+    <p:extLst>
+      <p:ext uri="{BB962C8B-B14F-4D97-AF65-F5344CB8AC3E}">
+        <p14:creationId xmlns:p14="http://schemas.microsoft.com/office/powerpoint/2010/main" val="2515539717"/>
+      </p:ext>
+    </p:extLst>
+  </p:cSld>
+  <p:clrMapOvr>
+    <a:masterClrMapping/>
+  </p:clrMapOvr>
+</p:sld>
+</file>
+
+<file path=ppt/slides/slide11.xml><?xml version="1.0" encoding="utf-8"?>
+<p:sld xmlns:a="http://schemas.openxmlformats.org/drawingml/2006/main" xmlns:r="http://schemas.openxmlformats.org/officeDocument/2006/relationships" xmlns:p="http://schemas.openxmlformats.org/presentationml/2006/main">
+  <p:cSld>
     <p:bg>
       <p:bgPr>
         <a:blipFill rotWithShape="1">
@@ -8269,7 +8599,7 @@
 </p:sld>
 </file>
 
-<file path=ppt/slides/slide11.xml><?xml version="1.0" encoding="utf-8"?>
+<file path=ppt/slides/slide12.xml><?xml version="1.0" encoding="utf-8"?>
 <p:sld xmlns:a="http://schemas.openxmlformats.org/drawingml/2006/main" xmlns:r="http://schemas.openxmlformats.org/officeDocument/2006/relationships" xmlns:p="http://schemas.openxmlformats.org/presentationml/2006/main">
   <p:cSld>
     <p:bg>
@@ -8815,7 +9145,7 @@
 </p:sld>
 </file>
 
-<file path=ppt/slides/slide12.xml><?xml version="1.0" encoding="utf-8"?>
+<file path=ppt/slides/slide13.xml><?xml version="1.0" encoding="utf-8"?>
 <p:sld xmlns:a="http://schemas.openxmlformats.org/drawingml/2006/main" xmlns:r="http://schemas.openxmlformats.org/officeDocument/2006/relationships" xmlns:p="http://schemas.openxmlformats.org/presentationml/2006/main">
   <p:cSld>
     <p:spTree>
@@ -9132,7 +9462,7 @@
 </p:sld>
 </file>
 
-<file path=ppt/slides/slide13.xml><?xml version="1.0" encoding="utf-8"?>
+<file path=ppt/slides/slide14.xml><?xml version="1.0" encoding="utf-8"?>
 <p:sld xmlns:a="http://schemas.openxmlformats.org/drawingml/2006/main" xmlns:r="http://schemas.openxmlformats.org/officeDocument/2006/relationships" xmlns:p="http://schemas.openxmlformats.org/presentationml/2006/main">
   <p:cSld>
     <p:bg>
@@ -9595,7 +9925,7 @@
 </p:sld>
 </file>
 
-<file path=ppt/slides/slide14.xml><?xml version="1.0" encoding="utf-8"?>
+<file path=ppt/slides/slide15.xml><?xml version="1.0" encoding="utf-8"?>
 <p:sld xmlns:a="http://schemas.openxmlformats.org/drawingml/2006/main" xmlns:r="http://schemas.openxmlformats.org/officeDocument/2006/relationships" xmlns:p="http://schemas.openxmlformats.org/presentationml/2006/main">
   <p:cSld>
     <p:bg>
@@ -10337,7 +10667,7 @@
 </p:sld>
 </file>
 
-<file path=ppt/slides/slide15.xml><?xml version="1.0" encoding="utf-8"?>
+<file path=ppt/slides/slide16.xml><?xml version="1.0" encoding="utf-8"?>
 <p:sld xmlns:a="http://schemas.openxmlformats.org/drawingml/2006/main" xmlns:r="http://schemas.openxmlformats.org/officeDocument/2006/relationships" xmlns:p="http://schemas.openxmlformats.org/presentationml/2006/main">
   <p:cSld>
     <p:bg>
@@ -10844,7 +11174,7 @@
 </p:sld>
 </file>
 
-<file path=ppt/slides/slide16.xml><?xml version="1.0" encoding="utf-8"?>
+<file path=ppt/slides/slide17.xml><?xml version="1.0" encoding="utf-8"?>
 <p:sld xmlns:a="http://schemas.openxmlformats.org/drawingml/2006/main" xmlns:r="http://schemas.openxmlformats.org/officeDocument/2006/relationships" xmlns:p="http://schemas.openxmlformats.org/presentationml/2006/main">
   <p:cSld>
     <p:bg>
@@ -11575,7 +11905,7 @@
 </p:sld>
 </file>
 
-<file path=ppt/slides/slide17.xml><?xml version="1.0" encoding="utf-8"?>
+<file path=ppt/slides/slide18.xml><?xml version="1.0" encoding="utf-8"?>
 <p:sld xmlns:a="http://schemas.openxmlformats.org/drawingml/2006/main" xmlns:r="http://schemas.openxmlformats.org/officeDocument/2006/relationships" xmlns:p="http://schemas.openxmlformats.org/presentationml/2006/main">
   <p:cSld>
     <p:spTree>
@@ -11672,7 +12002,7 @@
 </p:sld>
 </file>
 
-<file path=ppt/slides/slide18.xml><?xml version="1.0" encoding="utf-8"?>
+<file path=ppt/slides/slide19.xml><?xml version="1.0" encoding="utf-8"?>
 <p:sld xmlns:a="http://schemas.openxmlformats.org/drawingml/2006/main" xmlns:r="http://schemas.openxmlformats.org/officeDocument/2006/relationships" xmlns:p="http://schemas.openxmlformats.org/presentationml/2006/main">
   <p:cSld>
     <p:spTree>
@@ -11828,239 +12158,6 @@
     <p:extLst>
       <p:ext uri="{BB962C8B-B14F-4D97-AF65-F5344CB8AC3E}">
         <p14:creationId xmlns:p14="http://schemas.microsoft.com/office/powerpoint/2010/main" val="1339885140"/>
-      </p:ext>
-    </p:extLst>
-  </p:cSld>
-  <p:clrMapOvr>
-    <a:masterClrMapping/>
-  </p:clrMapOvr>
-</p:sld>
-</file>
-
-<file path=ppt/slides/slide19.xml><?xml version="1.0" encoding="utf-8"?>
-<p:sld xmlns:a="http://schemas.openxmlformats.org/drawingml/2006/main" xmlns:r="http://schemas.openxmlformats.org/officeDocument/2006/relationships" xmlns:p="http://schemas.openxmlformats.org/presentationml/2006/main">
-  <p:cSld>
-    <p:bg>
-      <p:bgPr>
-        <a:blipFill rotWithShape="1">
-          <a:blip r:embed="rId2">
-            <a:duotone>
-              <a:schemeClr val="bg2">
-                <a:shade val="76000"/>
-                <a:satMod val="180000"/>
-              </a:schemeClr>
-              <a:schemeClr val="bg2">
-                <a:tint val="80000"/>
-                <a:satMod val="120000"/>
-                <a:lumMod val="180000"/>
-              </a:schemeClr>
-            </a:duotone>
-          </a:blip>
-          <a:stretch/>
-        </a:blipFill>
-        <a:effectLst/>
-      </p:bgPr>
-    </p:bg>
-    <p:spTree>
-      <p:nvGrpSpPr>
-        <p:cNvPr id="1" name=""/>
-        <p:cNvGrpSpPr/>
-        <p:nvPr/>
-      </p:nvGrpSpPr>
-      <p:grpSpPr>
-        <a:xfrm>
-          <a:off x="0" y="0"/>
-          <a:ext cx="0" cy="0"/>
-          <a:chOff x="0" y="0"/>
-          <a:chExt cx="0" cy="0"/>
-        </a:xfrm>
-      </p:grpSpPr>
-      <p:sp>
-        <p:nvSpPr>
-          <p:cNvPr id="3" name="Otsikko 2">
-            <a:extLst>
-              <a:ext uri="{FF2B5EF4-FFF2-40B4-BE49-F238E27FC236}">
-                <a16:creationId xmlns:a16="http://schemas.microsoft.com/office/drawing/2014/main" id="{53E54C8A-907E-4D7A-A2E0-6B4EBEBB3177}"/>
-              </a:ext>
-            </a:extLst>
-          </p:cNvPr>
-          <p:cNvSpPr>
-            <a:spLocks noGrp="1"/>
-          </p:cNvSpPr>
-          <p:nvPr>
-            <p:ph type="title"/>
-          </p:nvPr>
-        </p:nvSpPr>
-        <p:spPr>
-          <a:xfrm>
-            <a:off x="3618200" y="852055"/>
-            <a:ext cx="7257455" cy="1752599"/>
-          </a:xfrm>
-        </p:spPr>
-        <p:txBody>
-          <a:bodyPr>
-            <a:normAutofit/>
-          </a:bodyPr>
-          <a:lstStyle/>
-          <a:p>
-            <a:r>
-              <a:rPr lang="fi-FI" sz="3600" dirty="0"/>
-              <a:t>If </a:t>
-            </a:r>
-            <a:r>
-              <a:rPr lang="fi-FI" sz="3600" dirty="0" err="1"/>
-              <a:t>something</a:t>
-            </a:r>
-            <a:r>
-              <a:rPr lang="fi-FI" sz="3600" dirty="0"/>
-              <a:t> </a:t>
-            </a:r>
-            <a:r>
-              <a:rPr lang="fi-FI" sz="3600" dirty="0" err="1"/>
-              <a:t>goes</a:t>
-            </a:r>
-            <a:r>
-              <a:rPr lang="fi-FI" sz="3600" dirty="0"/>
-              <a:t> </a:t>
-            </a:r>
-            <a:r>
-              <a:rPr lang="fi-FI" sz="3600" dirty="0" err="1"/>
-              <a:t>wrong</a:t>
-            </a:r>
-            <a:endParaRPr lang="en-US" sz="3600" dirty="0"/>
-          </a:p>
-        </p:txBody>
-      </p:sp>
-      <p:sp>
-        <p:nvSpPr>
-          <p:cNvPr id="6" name="Sisällön paikkamerkki 5">
-            <a:extLst>
-              <a:ext uri="{FF2B5EF4-FFF2-40B4-BE49-F238E27FC236}">
-                <a16:creationId xmlns:a16="http://schemas.microsoft.com/office/drawing/2014/main" id="{C47B6C3B-5F2E-47A4-ADC1-AA8C50A11420}"/>
-              </a:ext>
-            </a:extLst>
-          </p:cNvPr>
-          <p:cNvSpPr>
-            <a:spLocks noGrp="1"/>
-          </p:cNvSpPr>
-          <p:nvPr>
-            <p:ph idx="1"/>
-          </p:nvPr>
-        </p:nvSpPr>
-        <p:spPr>
-          <a:xfrm>
-            <a:off x="3613237" y="2839605"/>
-            <a:ext cx="7200236" cy="2712842"/>
-          </a:xfrm>
-        </p:spPr>
-        <p:txBody>
-          <a:bodyPr anchor="t">
-            <a:normAutofit/>
-          </a:bodyPr>
-          <a:lstStyle/>
-          <a:p>
-            <a:pPr>
-              <a:lnSpc>
-                <a:spcPct val="90000"/>
-              </a:lnSpc>
-            </a:pPr>
-            <a:r>
-              <a:rPr lang="fi-FI" dirty="0" err="1"/>
-              <a:t>Start</a:t>
-            </a:r>
-            <a:r>
-              <a:rPr lang="fi-FI" dirty="0"/>
-              <a:t> </a:t>
-            </a:r>
-            <a:r>
-              <a:rPr lang="fi-FI" dirty="0" err="1"/>
-              <a:t>Odoo</a:t>
-            </a:r>
-            <a:r>
-              <a:rPr lang="fi-FI" dirty="0"/>
-              <a:t> in </a:t>
-            </a:r>
-            <a:r>
-              <a:rPr lang="fi-FI" dirty="0" err="1"/>
-              <a:t>Debug</a:t>
-            </a:r>
-            <a:r>
-              <a:rPr lang="fi-FI" dirty="0"/>
-              <a:t> </a:t>
-            </a:r>
-            <a:r>
-              <a:rPr lang="fi-FI" dirty="0" err="1"/>
-              <a:t>mode</a:t>
-            </a:r>
-            <a:br>
-              <a:rPr lang="fi-FI" sz="1800" dirty="0"/>
-            </a:br>
-            <a:br>
-              <a:rPr lang="fi-FI" sz="1800" dirty="0"/>
-            </a:br>
-            <a:r>
-              <a:rPr lang="fi-FI" sz="1800" dirty="0"/>
-              <a:t>"C:\Program Files (x86)\Odoo 12.0\python\python.exe" ./odoo-bin -c odoo.conf --log-level=debug</a:t>
-            </a:r>
-            <a:br>
-              <a:rPr lang="fi-FI" sz="1800" dirty="0"/>
-            </a:br>
-            <a:br>
-              <a:rPr lang="fi-FI" sz="1800" dirty="0"/>
-            </a:br>
-            <a:r>
-              <a:rPr lang="fi-FI" sz="1800" dirty="0"/>
-              <a:t>in C:\Program Files (x86)\Odoo 12.0\server    -folder</a:t>
-            </a:r>
-            <a:br>
-              <a:rPr lang="fi-FI" sz="1800" dirty="0"/>
-            </a:br>
-            <a:endParaRPr lang="fi-FI" sz="1800" dirty="0"/>
-          </a:p>
-          <a:p>
-            <a:pPr>
-              <a:lnSpc>
-                <a:spcPct val="90000"/>
-              </a:lnSpc>
-            </a:pPr>
-            <a:r>
-              <a:rPr lang="fi-FI" sz="1800" dirty="0"/>
-              <a:t>Check odoo.log from </a:t>
-            </a:r>
-          </a:p>
-          <a:p>
-            <a:pPr lvl="1">
-              <a:lnSpc>
-                <a:spcPct val="90000"/>
-              </a:lnSpc>
-            </a:pPr>
-            <a:r>
-              <a:rPr lang="fi-FI" sz="1800" dirty="0"/>
-              <a:t>"C:\Program Files (x86)\Odoo 12.0\server\odoo.log"</a:t>
-            </a:r>
-          </a:p>
-          <a:p>
-            <a:pPr lvl="1">
-              <a:lnSpc>
-                <a:spcPct val="90000"/>
-              </a:lnSpc>
-            </a:pPr>
-            <a:endParaRPr lang="fi-FI" sz="1800" dirty="0"/>
-          </a:p>
-          <a:p>
-            <a:pPr>
-              <a:lnSpc>
-                <a:spcPct val="90000"/>
-              </a:lnSpc>
-            </a:pPr>
-            <a:endParaRPr lang="en-US" sz="1800" dirty="0"/>
-          </a:p>
-        </p:txBody>
-      </p:sp>
-    </p:spTree>
-    <p:extLst>
-      <p:ext uri="{BB962C8B-B14F-4D97-AF65-F5344CB8AC3E}">
-        <p14:creationId xmlns:p14="http://schemas.microsoft.com/office/powerpoint/2010/main" val="3547133680"/>
       </p:ext>
     </p:extLst>
   </p:cSld>
@@ -12530,6 +12627,239 @@
 </p:sld>
 </file>
 
+<file path=ppt/slides/slide20.xml><?xml version="1.0" encoding="utf-8"?>
+<p:sld xmlns:a="http://schemas.openxmlformats.org/drawingml/2006/main" xmlns:r="http://schemas.openxmlformats.org/officeDocument/2006/relationships" xmlns:p="http://schemas.openxmlformats.org/presentationml/2006/main">
+  <p:cSld>
+    <p:bg>
+      <p:bgPr>
+        <a:blipFill rotWithShape="1">
+          <a:blip r:embed="rId2">
+            <a:duotone>
+              <a:schemeClr val="bg2">
+                <a:shade val="76000"/>
+                <a:satMod val="180000"/>
+              </a:schemeClr>
+              <a:schemeClr val="bg2">
+                <a:tint val="80000"/>
+                <a:satMod val="120000"/>
+                <a:lumMod val="180000"/>
+              </a:schemeClr>
+            </a:duotone>
+          </a:blip>
+          <a:stretch/>
+        </a:blipFill>
+        <a:effectLst/>
+      </p:bgPr>
+    </p:bg>
+    <p:spTree>
+      <p:nvGrpSpPr>
+        <p:cNvPr id="1" name=""/>
+        <p:cNvGrpSpPr/>
+        <p:nvPr/>
+      </p:nvGrpSpPr>
+      <p:grpSpPr>
+        <a:xfrm>
+          <a:off x="0" y="0"/>
+          <a:ext cx="0" cy="0"/>
+          <a:chOff x="0" y="0"/>
+          <a:chExt cx="0" cy="0"/>
+        </a:xfrm>
+      </p:grpSpPr>
+      <p:sp>
+        <p:nvSpPr>
+          <p:cNvPr id="3" name="Otsikko 2">
+            <a:extLst>
+              <a:ext uri="{FF2B5EF4-FFF2-40B4-BE49-F238E27FC236}">
+                <a16:creationId xmlns:a16="http://schemas.microsoft.com/office/drawing/2014/main" id="{53E54C8A-907E-4D7A-A2E0-6B4EBEBB3177}"/>
+              </a:ext>
+            </a:extLst>
+          </p:cNvPr>
+          <p:cNvSpPr>
+            <a:spLocks noGrp="1"/>
+          </p:cNvSpPr>
+          <p:nvPr>
+            <p:ph type="title"/>
+          </p:nvPr>
+        </p:nvSpPr>
+        <p:spPr>
+          <a:xfrm>
+            <a:off x="3618200" y="852055"/>
+            <a:ext cx="7257455" cy="1752599"/>
+          </a:xfrm>
+        </p:spPr>
+        <p:txBody>
+          <a:bodyPr>
+            <a:normAutofit/>
+          </a:bodyPr>
+          <a:lstStyle/>
+          <a:p>
+            <a:r>
+              <a:rPr lang="fi-FI" sz="3600" dirty="0"/>
+              <a:t>If </a:t>
+            </a:r>
+            <a:r>
+              <a:rPr lang="fi-FI" sz="3600" dirty="0" err="1"/>
+              <a:t>something</a:t>
+            </a:r>
+            <a:r>
+              <a:rPr lang="fi-FI" sz="3600" dirty="0"/>
+              <a:t> </a:t>
+            </a:r>
+            <a:r>
+              <a:rPr lang="fi-FI" sz="3600" dirty="0" err="1"/>
+              <a:t>goes</a:t>
+            </a:r>
+            <a:r>
+              <a:rPr lang="fi-FI" sz="3600" dirty="0"/>
+              <a:t> </a:t>
+            </a:r>
+            <a:r>
+              <a:rPr lang="fi-FI" sz="3600" dirty="0" err="1"/>
+              <a:t>wrong</a:t>
+            </a:r>
+            <a:endParaRPr lang="en-US" sz="3600" dirty="0"/>
+          </a:p>
+        </p:txBody>
+      </p:sp>
+      <p:sp>
+        <p:nvSpPr>
+          <p:cNvPr id="6" name="Sisällön paikkamerkki 5">
+            <a:extLst>
+              <a:ext uri="{FF2B5EF4-FFF2-40B4-BE49-F238E27FC236}">
+                <a16:creationId xmlns:a16="http://schemas.microsoft.com/office/drawing/2014/main" id="{C47B6C3B-5F2E-47A4-ADC1-AA8C50A11420}"/>
+              </a:ext>
+            </a:extLst>
+          </p:cNvPr>
+          <p:cNvSpPr>
+            <a:spLocks noGrp="1"/>
+          </p:cNvSpPr>
+          <p:nvPr>
+            <p:ph idx="1"/>
+          </p:nvPr>
+        </p:nvSpPr>
+        <p:spPr>
+          <a:xfrm>
+            <a:off x="3613237" y="2839605"/>
+            <a:ext cx="7200236" cy="2712842"/>
+          </a:xfrm>
+        </p:spPr>
+        <p:txBody>
+          <a:bodyPr anchor="t">
+            <a:normAutofit/>
+          </a:bodyPr>
+          <a:lstStyle/>
+          <a:p>
+            <a:pPr>
+              <a:lnSpc>
+                <a:spcPct val="90000"/>
+              </a:lnSpc>
+            </a:pPr>
+            <a:r>
+              <a:rPr lang="fi-FI" dirty="0" err="1"/>
+              <a:t>Start</a:t>
+            </a:r>
+            <a:r>
+              <a:rPr lang="fi-FI" dirty="0"/>
+              <a:t> </a:t>
+            </a:r>
+            <a:r>
+              <a:rPr lang="fi-FI" dirty="0" err="1"/>
+              <a:t>Odoo</a:t>
+            </a:r>
+            <a:r>
+              <a:rPr lang="fi-FI" dirty="0"/>
+              <a:t> in </a:t>
+            </a:r>
+            <a:r>
+              <a:rPr lang="fi-FI" dirty="0" err="1"/>
+              <a:t>Debug</a:t>
+            </a:r>
+            <a:r>
+              <a:rPr lang="fi-FI" dirty="0"/>
+              <a:t> </a:t>
+            </a:r>
+            <a:r>
+              <a:rPr lang="fi-FI" dirty="0" err="1"/>
+              <a:t>mode</a:t>
+            </a:r>
+            <a:br>
+              <a:rPr lang="fi-FI" sz="1800" dirty="0"/>
+            </a:br>
+            <a:br>
+              <a:rPr lang="fi-FI" sz="1800" dirty="0"/>
+            </a:br>
+            <a:r>
+              <a:rPr lang="fi-FI" sz="1800" dirty="0"/>
+              <a:t>"C:\Program Files (x86)\Odoo 12.0\python\python.exe" ./odoo-bin -c odoo.conf --log-level=debug</a:t>
+            </a:r>
+            <a:br>
+              <a:rPr lang="fi-FI" sz="1800" dirty="0"/>
+            </a:br>
+            <a:br>
+              <a:rPr lang="fi-FI" sz="1800" dirty="0"/>
+            </a:br>
+            <a:r>
+              <a:rPr lang="fi-FI" sz="1800" dirty="0"/>
+              <a:t>in C:\Program Files (x86)\Odoo 12.0\server    -folder</a:t>
+            </a:r>
+            <a:br>
+              <a:rPr lang="fi-FI" sz="1800" dirty="0"/>
+            </a:br>
+            <a:endParaRPr lang="fi-FI" sz="1800" dirty="0"/>
+          </a:p>
+          <a:p>
+            <a:pPr>
+              <a:lnSpc>
+                <a:spcPct val="90000"/>
+              </a:lnSpc>
+            </a:pPr>
+            <a:r>
+              <a:rPr lang="fi-FI" sz="1800" dirty="0"/>
+              <a:t>Check odoo.log from </a:t>
+            </a:r>
+          </a:p>
+          <a:p>
+            <a:pPr lvl="1">
+              <a:lnSpc>
+                <a:spcPct val="90000"/>
+              </a:lnSpc>
+            </a:pPr>
+            <a:r>
+              <a:rPr lang="fi-FI" sz="1800" dirty="0"/>
+              <a:t>"C:\Program Files (x86)\Odoo 12.0\server\odoo.log"</a:t>
+            </a:r>
+          </a:p>
+          <a:p>
+            <a:pPr lvl="1">
+              <a:lnSpc>
+                <a:spcPct val="90000"/>
+              </a:lnSpc>
+            </a:pPr>
+            <a:endParaRPr lang="fi-FI" sz="1800" dirty="0"/>
+          </a:p>
+          <a:p>
+            <a:pPr>
+              <a:lnSpc>
+                <a:spcPct val="90000"/>
+              </a:lnSpc>
+            </a:pPr>
+            <a:endParaRPr lang="en-US" sz="1800" dirty="0"/>
+          </a:p>
+        </p:txBody>
+      </p:sp>
+    </p:spTree>
+    <p:extLst>
+      <p:ext uri="{BB962C8B-B14F-4D97-AF65-F5344CB8AC3E}">
+        <p14:creationId xmlns:p14="http://schemas.microsoft.com/office/powerpoint/2010/main" val="3547133680"/>
+      </p:ext>
+    </p:extLst>
+  </p:cSld>
+  <p:clrMapOvr>
+    <a:masterClrMapping/>
+  </p:clrMapOvr>
+</p:sld>
+</file>
+
 <file path=ppt/slides/slide3.xml><?xml version="1.0" encoding="utf-8"?>
 <p:sld xmlns:a="http://schemas.openxmlformats.org/drawingml/2006/main" xmlns:r="http://schemas.openxmlformats.org/officeDocument/2006/relationships" xmlns:p="http://schemas.openxmlformats.org/presentationml/2006/main">
   <p:cSld>
@@ -12821,6 +13151,138 @@
 </file>
 
 <file path=ppt/slides/slide4.xml><?xml version="1.0" encoding="utf-8"?>
+<p:sld xmlns:a="http://schemas.openxmlformats.org/drawingml/2006/main" xmlns:r="http://schemas.openxmlformats.org/officeDocument/2006/relationships" xmlns:p="http://schemas.openxmlformats.org/presentationml/2006/main">
+  <p:cSld>
+    <p:spTree>
+      <p:nvGrpSpPr>
+        <p:cNvPr id="1" name=""/>
+        <p:cNvGrpSpPr/>
+        <p:nvPr/>
+      </p:nvGrpSpPr>
+      <p:grpSpPr>
+        <a:xfrm>
+          <a:off x="0" y="0"/>
+          <a:ext cx="0" cy="0"/>
+          <a:chOff x="0" y="0"/>
+          <a:chExt cx="0" cy="0"/>
+        </a:xfrm>
+      </p:grpSpPr>
+      <p:sp>
+        <p:nvSpPr>
+          <p:cNvPr id="2" name="Title 1">
+            <a:extLst>
+              <a:ext uri="{FF2B5EF4-FFF2-40B4-BE49-F238E27FC236}">
+                <a16:creationId xmlns:a16="http://schemas.microsoft.com/office/drawing/2014/main" id="{D4156C4E-1A99-4835-BEE4-2F4E923EEA97}"/>
+              </a:ext>
+            </a:extLst>
+          </p:cNvPr>
+          <p:cNvSpPr>
+            <a:spLocks noGrp="1"/>
+          </p:cNvSpPr>
+          <p:nvPr>
+            <p:ph type="title"/>
+          </p:nvPr>
+        </p:nvSpPr>
+        <p:spPr/>
+        <p:txBody>
+          <a:bodyPr/>
+          <a:lstStyle/>
+          <a:p>
+            <a:r>
+              <a:rPr lang="fi-FI" dirty="0"/>
+              <a:t>Windows </a:t>
+            </a:r>
+            <a:r>
+              <a:rPr lang="fi-FI" dirty="0" err="1"/>
+              <a:t>platform</a:t>
+            </a:r>
+            <a:endParaRPr lang="fi-FI" dirty="0"/>
+          </a:p>
+        </p:txBody>
+      </p:sp>
+      <p:sp>
+        <p:nvSpPr>
+          <p:cNvPr id="3" name="Content Placeholder 2">
+            <a:extLst>
+              <a:ext uri="{FF2B5EF4-FFF2-40B4-BE49-F238E27FC236}">
+                <a16:creationId xmlns:a16="http://schemas.microsoft.com/office/drawing/2014/main" id="{ED0D511C-B05A-4883-BFF7-493289834E63}"/>
+              </a:ext>
+            </a:extLst>
+          </p:cNvPr>
+          <p:cNvSpPr>
+            <a:spLocks noGrp="1"/>
+          </p:cNvSpPr>
+          <p:nvPr>
+            <p:ph idx="1"/>
+          </p:nvPr>
+        </p:nvSpPr>
+        <p:spPr/>
+        <p:txBody>
+          <a:bodyPr/>
+          <a:lstStyle/>
+          <a:p>
+            <a:r>
+              <a:rPr lang="fi-FI" dirty="0"/>
+              <a:t>"C:\Odoo15\python\python" "C:\Odoo15\python\Scripts\pip.exe" </a:t>
+            </a:r>
+            <a:r>
+              <a:rPr lang="fi-FI" dirty="0" err="1"/>
+              <a:t>install</a:t>
+            </a:r>
+            <a:r>
+              <a:rPr lang="fi-FI" dirty="0"/>
+              <a:t> </a:t>
+            </a:r>
+            <a:r>
+              <a:rPr lang="fi-FI" dirty="0" err="1"/>
+              <a:t>openpyxl</a:t>
+            </a:r>
+            <a:endParaRPr lang="fi-FI" dirty="0"/>
+          </a:p>
+          <a:p>
+            <a:r>
+              <a:rPr lang="en-US" dirty="0"/>
+              <a:t>&gt;"C:\Odoo15\python\python" "C:\Odoo15\python\Scripts\pip.exe" install pandas</a:t>
+            </a:r>
+          </a:p>
+          <a:p>
+            <a:r>
+              <a:rPr lang="fi-FI" dirty="0"/>
+              <a:t>"C:\Odoo15\python\python" "C:\Odoo15\python\Scripts\pip.exe" </a:t>
+            </a:r>
+            <a:r>
+              <a:rPr lang="fi-FI" dirty="0" err="1"/>
+              <a:t>install</a:t>
+            </a:r>
+            <a:r>
+              <a:rPr lang="fi-FI" dirty="0"/>
+              <a:t> python-</a:t>
+            </a:r>
+            <a:r>
+              <a:rPr lang="fi-FI" dirty="0" err="1"/>
+              <a:t>pptx</a:t>
+            </a:r>
+            <a:endParaRPr lang="fi-FI" dirty="0"/>
+          </a:p>
+          <a:p>
+            <a:endParaRPr lang="fi-FI" dirty="0"/>
+          </a:p>
+        </p:txBody>
+      </p:sp>
+    </p:spTree>
+    <p:extLst>
+      <p:ext uri="{BB962C8B-B14F-4D97-AF65-F5344CB8AC3E}">
+        <p14:creationId xmlns:p14="http://schemas.microsoft.com/office/powerpoint/2010/main" val="1699150505"/>
+      </p:ext>
+    </p:extLst>
+  </p:cSld>
+  <p:clrMapOvr>
+    <a:masterClrMapping/>
+  </p:clrMapOvr>
+</p:sld>
+</file>
+
+<file path=ppt/slides/slide5.xml><?xml version="1.0" encoding="utf-8"?>
 <p:sld xmlns:a="http://schemas.openxmlformats.org/drawingml/2006/main" xmlns:r="http://schemas.openxmlformats.org/officeDocument/2006/relationships" xmlns:p="http://schemas.openxmlformats.org/presentationml/2006/main">
   <p:cSld>
     <p:spTree>
@@ -13294,7 +13756,7 @@
 </p:sld>
 </file>
 
-<file path=ppt/slides/slide5.xml><?xml version="1.0" encoding="utf-8"?>
+<file path=ppt/slides/slide6.xml><?xml version="1.0" encoding="utf-8"?>
 <p:sld xmlns:a="http://schemas.openxmlformats.org/drawingml/2006/main" xmlns:r="http://schemas.openxmlformats.org/officeDocument/2006/relationships" xmlns:p="http://schemas.openxmlformats.org/presentationml/2006/main">
   <p:cSld>
     <p:spTree>
@@ -13516,7 +13978,7 @@
 </p:sld>
 </file>
 
-<file path=ppt/slides/slide6.xml><?xml version="1.0" encoding="utf-8"?>
+<file path=ppt/slides/slide7.xml><?xml version="1.0" encoding="utf-8"?>
 <p:sld xmlns:a="http://schemas.openxmlformats.org/drawingml/2006/main" xmlns:r="http://schemas.openxmlformats.org/officeDocument/2006/relationships" xmlns:p="http://schemas.openxmlformats.org/presentationml/2006/main">
   <p:cSld>
     <p:spTree>
@@ -13813,7 +14275,7 @@
 </p:sld>
 </file>
 
-<file path=ppt/slides/slide7.xml><?xml version="1.0" encoding="utf-8"?>
+<file path=ppt/slides/slide8.xml><?xml version="1.0" encoding="utf-8"?>
 <p:sld xmlns:a="http://schemas.openxmlformats.org/drawingml/2006/main" xmlns:r="http://schemas.openxmlformats.org/officeDocument/2006/relationships" xmlns:p="http://schemas.openxmlformats.org/presentationml/2006/main">
   <p:cSld>
     <p:bg>
@@ -14078,7 +14540,7 @@
 </p:sld>
 </file>
 
-<file path=ppt/slides/slide8.xml><?xml version="1.0" encoding="utf-8"?>
+<file path=ppt/slides/slide9.xml><?xml version="1.0" encoding="utf-8"?>
 <p:sld xmlns:a="http://schemas.openxmlformats.org/drawingml/2006/main" xmlns:r="http://schemas.openxmlformats.org/officeDocument/2006/relationships" xmlns:p="http://schemas.openxmlformats.org/presentationml/2006/main">
   <p:cSld>
     <p:bg>
@@ -14259,335 +14721,6 @@
     <p:extLst>
       <p:ext uri="{BB962C8B-B14F-4D97-AF65-F5344CB8AC3E}">
         <p14:creationId xmlns:p14="http://schemas.microsoft.com/office/powerpoint/2010/main" val="1438393376"/>
-      </p:ext>
-    </p:extLst>
-  </p:cSld>
-  <p:clrMapOvr>
-    <a:masterClrMapping/>
-  </p:clrMapOvr>
-</p:sld>
-</file>
-
-<file path=ppt/slides/slide9.xml><?xml version="1.0" encoding="utf-8"?>
-<p:sld xmlns:a="http://schemas.openxmlformats.org/drawingml/2006/main" xmlns:r="http://schemas.openxmlformats.org/officeDocument/2006/relationships" xmlns:p="http://schemas.openxmlformats.org/presentationml/2006/main">
-  <p:cSld>
-    <p:spTree>
-      <p:nvGrpSpPr>
-        <p:cNvPr id="1" name=""/>
-        <p:cNvGrpSpPr/>
-        <p:nvPr/>
-      </p:nvGrpSpPr>
-      <p:grpSpPr>
-        <a:xfrm>
-          <a:off x="0" y="0"/>
-          <a:ext cx="0" cy="0"/>
-          <a:chOff x="0" y="0"/>
-          <a:chExt cx="0" cy="0"/>
-        </a:xfrm>
-      </p:grpSpPr>
-      <p:sp>
-        <p:nvSpPr>
-          <p:cNvPr id="2" name="Title 1">
-            <a:extLst>
-              <a:ext uri="{FF2B5EF4-FFF2-40B4-BE49-F238E27FC236}">
-                <a16:creationId xmlns:a16="http://schemas.microsoft.com/office/drawing/2014/main" id="{1A46C0F2-5A13-4675-90D2-C28BA0BE550E}"/>
-              </a:ext>
-            </a:extLst>
-          </p:cNvPr>
-          <p:cNvSpPr>
-            <a:spLocks noGrp="1"/>
-          </p:cNvSpPr>
-          <p:nvPr>
-            <p:ph type="title"/>
-          </p:nvPr>
-        </p:nvSpPr>
-        <p:spPr/>
-        <p:txBody>
-          <a:bodyPr>
-            <a:normAutofit fontScale="90000"/>
-          </a:bodyPr>
-          <a:lstStyle/>
-          <a:p>
-            <a:r>
-              <a:rPr lang="fi-FI" dirty="0" err="1"/>
-              <a:t>Before</a:t>
-            </a:r>
-            <a:r>
-              <a:rPr lang="fi-FI" dirty="0"/>
-              <a:t> </a:t>
-            </a:r>
-            <a:r>
-              <a:rPr lang="fi-FI" dirty="0" err="1"/>
-              <a:t>you</a:t>
-            </a:r>
-            <a:r>
-              <a:rPr lang="fi-FI" dirty="0"/>
-              <a:t> </a:t>
-            </a:r>
-            <a:r>
-              <a:rPr lang="fi-FI" dirty="0" err="1"/>
-              <a:t>can</a:t>
-            </a:r>
-            <a:r>
-              <a:rPr lang="fi-FI" dirty="0"/>
-              <a:t> </a:t>
-            </a:r>
-            <a:r>
-              <a:rPr lang="fi-FI" dirty="0" err="1"/>
-              <a:t>create</a:t>
-            </a:r>
-            <a:r>
-              <a:rPr lang="fi-FI" dirty="0"/>
-              <a:t> </a:t>
-            </a:r>
-            <a:r>
-              <a:rPr lang="fi-FI" dirty="0" err="1"/>
-              <a:t>database</a:t>
-            </a:r>
-            <a:r>
-              <a:rPr lang="fi-FI" dirty="0"/>
-              <a:t> </a:t>
-            </a:r>
-            <a:r>
-              <a:rPr lang="fi-FI" dirty="0" err="1"/>
-              <a:t>connection</a:t>
-            </a:r>
-            <a:r>
-              <a:rPr lang="fi-FI" dirty="0"/>
-              <a:t> in </a:t>
-            </a:r>
-            <a:r>
-              <a:rPr lang="fi-FI" dirty="0" err="1"/>
-              <a:t>Rocker_app</a:t>
-            </a:r>
-            <a:r>
-              <a:rPr lang="fi-FI" dirty="0"/>
-              <a:t> </a:t>
-            </a:r>
-            <a:r>
-              <a:rPr lang="fi-FI" dirty="0" err="1"/>
-              <a:t>you</a:t>
-            </a:r>
-            <a:r>
-              <a:rPr lang="fi-FI" dirty="0"/>
-              <a:t> </a:t>
-            </a:r>
-            <a:r>
-              <a:rPr lang="fi-FI" dirty="0" err="1"/>
-              <a:t>have</a:t>
-            </a:r>
-            <a:r>
-              <a:rPr lang="fi-FI" dirty="0"/>
-              <a:t> to: </a:t>
-            </a:r>
-            <a:r>
-              <a:rPr lang="fi-FI" dirty="0" err="1"/>
-              <a:t>Create</a:t>
-            </a:r>
-            <a:r>
-              <a:rPr lang="fi-FI" dirty="0"/>
-              <a:t> </a:t>
-            </a:r>
-            <a:r>
-              <a:rPr lang="fi-FI" dirty="0" err="1"/>
-              <a:t>reporting</a:t>
-            </a:r>
-            <a:r>
-              <a:rPr lang="fi-FI" dirty="0"/>
-              <a:t> </a:t>
-            </a:r>
-            <a:r>
-              <a:rPr lang="fi-FI" dirty="0" err="1"/>
-              <a:t>user</a:t>
-            </a:r>
-            <a:r>
-              <a:rPr lang="fi-FI" dirty="0"/>
-              <a:t> for </a:t>
-            </a:r>
-            <a:r>
-              <a:rPr lang="fi-FI" dirty="0" err="1"/>
-              <a:t>Odoo</a:t>
-            </a:r>
-            <a:endParaRPr lang="en-US" dirty="0"/>
-          </a:p>
-        </p:txBody>
-      </p:sp>
-      <p:sp>
-        <p:nvSpPr>
-          <p:cNvPr id="3" name="Content Placeholder 2">
-            <a:extLst>
-              <a:ext uri="{FF2B5EF4-FFF2-40B4-BE49-F238E27FC236}">
-                <a16:creationId xmlns:a16="http://schemas.microsoft.com/office/drawing/2014/main" id="{8309473F-B7E0-446C-8CB5-C8D1441BD47C}"/>
-              </a:ext>
-            </a:extLst>
-          </p:cNvPr>
-          <p:cNvSpPr>
-            <a:spLocks noGrp="1"/>
-          </p:cNvSpPr>
-          <p:nvPr>
-            <p:ph idx="1"/>
-          </p:nvPr>
-        </p:nvSpPr>
-        <p:spPr>
-          <a:xfrm>
-            <a:off x="2589212" y="2523280"/>
-            <a:ext cx="8915400" cy="4022204"/>
-          </a:xfrm>
-        </p:spPr>
-        <p:txBody>
-          <a:bodyPr>
-            <a:normAutofit fontScale="92500" lnSpcReduction="20000"/>
-          </a:bodyPr>
-          <a:lstStyle/>
-          <a:p>
-            <a:r>
-              <a:rPr lang="en-US" dirty="0" err="1"/>
-              <a:t>sudo</a:t>
-            </a:r>
-            <a:r>
-              <a:rPr lang="en-US" dirty="0"/>
-              <a:t> -u </a:t>
-            </a:r>
-            <a:r>
-              <a:rPr lang="en-US" dirty="0" err="1"/>
-              <a:t>postgres</a:t>
-            </a:r>
-            <a:r>
-              <a:rPr lang="en-US" dirty="0"/>
-              <a:t> </a:t>
-            </a:r>
-            <a:r>
-              <a:rPr lang="en-US" dirty="0" err="1"/>
-              <a:t>createuser</a:t>
-            </a:r>
-            <a:r>
-              <a:rPr lang="en-US" dirty="0"/>
-              <a:t> --login --</a:t>
-            </a:r>
-            <a:r>
-              <a:rPr lang="en-US" dirty="0" err="1"/>
-              <a:t>pwprompt</a:t>
-            </a:r>
-            <a:r>
-              <a:rPr lang="en-US" dirty="0"/>
-              <a:t> rocker</a:t>
-            </a:r>
-          </a:p>
-          <a:p>
-            <a:endParaRPr lang="en-US" dirty="0"/>
-          </a:p>
-          <a:p>
-            <a:r>
-              <a:rPr lang="en-US" dirty="0"/>
-              <a:t>login with user </a:t>
-            </a:r>
-            <a:r>
-              <a:rPr lang="en-US" dirty="0" err="1"/>
-              <a:t>odoo</a:t>
-            </a:r>
-            <a:endParaRPr lang="en-US" dirty="0"/>
-          </a:p>
-          <a:p>
-            <a:r>
-              <a:rPr lang="en-US" dirty="0"/>
-              <a:t>Execute </a:t>
-            </a:r>
-            <a:r>
-              <a:rPr lang="en-US" dirty="0" err="1"/>
-              <a:t>psql</a:t>
-            </a:r>
-            <a:r>
-              <a:rPr lang="en-US" dirty="0"/>
-              <a:t>, then</a:t>
-            </a:r>
-          </a:p>
-          <a:p>
-            <a:pPr lvl="1"/>
-            <a:r>
-              <a:rPr lang="en-US" dirty="0"/>
-              <a:t>GRANT CONNECT ON DATABASE </a:t>
-            </a:r>
-            <a:r>
-              <a:rPr lang="en-US" dirty="0" err="1"/>
-              <a:t>database_name</a:t>
-            </a:r>
-            <a:r>
-              <a:rPr lang="en-US" dirty="0"/>
-              <a:t> TO username;</a:t>
-            </a:r>
-          </a:p>
-          <a:p>
-            <a:pPr lvl="1"/>
-            <a:r>
-              <a:rPr lang="en-US" dirty="0"/>
-              <a:t>GRANT SELECT ON ALL TABLES IN SCHEMA name TO username;</a:t>
-            </a:r>
-          </a:p>
-          <a:p>
-            <a:pPr lvl="1"/>
-            <a:r>
-              <a:rPr lang="en-US" dirty="0"/>
-              <a:t>GRANT CONNECT ON DATABASE </a:t>
-            </a:r>
-            <a:r>
-              <a:rPr lang="en-US" dirty="0" err="1"/>
-              <a:t>odoo</a:t>
-            </a:r>
-            <a:r>
-              <a:rPr lang="en-US" dirty="0"/>
-              <a:t> TO rocker;</a:t>
-            </a:r>
-          </a:p>
-          <a:p>
-            <a:pPr lvl="1"/>
-            <a:endParaRPr lang="en-US" dirty="0"/>
-          </a:p>
-          <a:p>
-            <a:endParaRPr lang="en-US" dirty="0"/>
-          </a:p>
-          <a:p>
-            <a:endParaRPr lang="en-US" dirty="0"/>
-          </a:p>
-          <a:p>
-            <a:r>
-              <a:rPr lang="en-US" dirty="0"/>
-              <a:t>service </a:t>
-            </a:r>
-            <a:r>
-              <a:rPr lang="en-US" dirty="0" err="1"/>
-              <a:t>odoo</a:t>
-            </a:r>
-            <a:r>
-              <a:rPr lang="en-US" dirty="0"/>
-              <a:t> restart</a:t>
-            </a:r>
-          </a:p>
-          <a:p>
-            <a:pPr lvl="1"/>
-            <a:r>
-              <a:rPr lang="en-US" dirty="0"/>
-              <a:t>Works in Ubuntu </a:t>
-            </a:r>
-            <a:r>
-              <a:rPr lang="en-US" dirty="0">
-                <a:sym typeface="Wingdings" panose="05000000000000000000" pitchFamily="2" charset="2"/>
-              </a:rPr>
-              <a:t></a:t>
-            </a:r>
-            <a:endParaRPr lang="en-US" dirty="0"/>
-          </a:p>
-          <a:p>
-            <a:endParaRPr lang="en-US" dirty="0"/>
-          </a:p>
-          <a:p>
-            <a:endParaRPr lang="en-US" dirty="0"/>
-          </a:p>
-        </p:txBody>
-      </p:sp>
-    </p:spTree>
-    <p:extLst>
-      <p:ext uri="{BB962C8B-B14F-4D97-AF65-F5344CB8AC3E}">
-        <p14:creationId xmlns:p14="http://schemas.microsoft.com/office/powerpoint/2010/main" val="2515539717"/>
       </p:ext>
     </p:extLst>
   </p:cSld>
